--- a/cs591.pptx
+++ b/cs591.pptx
@@ -2212,7 +2212,7 @@
           <a:p>
             <a:fld id="{4F4159C4-2914-4AAB-B3CA-D37032E2B1D2}" type="datetimeFigureOut">
               <a:rPr lang="en-US" smtClean="0"/>
-              <a:t>11/30/18</a:t>
+              <a:t>12/3/18</a:t>
             </a:fld>
             <a:endParaRPr lang="en-US"/>
           </a:p>
@@ -4428,7 +4428,7 @@
           <a:p>
             <a:fld id="{9E87EFA5-71F6-4DC3-B6C0-86F267AC2847}" type="datetimeFigureOut">
               <a:rPr lang="en-US" smtClean="0"/>
-              <a:t>11/30/18</a:t>
+              <a:t>12/3/18</a:t>
             </a:fld>
             <a:endParaRPr lang="en-US"/>
           </a:p>
@@ -4598,7 +4598,7 @@
           <a:p>
             <a:fld id="{9E87EFA5-71F6-4DC3-B6C0-86F267AC2847}" type="datetimeFigureOut">
               <a:rPr lang="en-US" smtClean="0"/>
-              <a:t>11/30/18</a:t>
+              <a:t>12/3/18</a:t>
             </a:fld>
             <a:endParaRPr lang="en-US"/>
           </a:p>
@@ -4778,7 +4778,7 @@
           <a:p>
             <a:fld id="{9E87EFA5-71F6-4DC3-B6C0-86F267AC2847}" type="datetimeFigureOut">
               <a:rPr lang="en-US" smtClean="0"/>
-              <a:t>11/30/18</a:t>
+              <a:t>12/3/18</a:t>
             </a:fld>
             <a:endParaRPr lang="en-US"/>
           </a:p>
@@ -4948,7 +4948,7 @@
           <a:p>
             <a:fld id="{9E87EFA5-71F6-4DC3-B6C0-86F267AC2847}" type="datetimeFigureOut">
               <a:rPr lang="en-US" smtClean="0"/>
-              <a:t>11/30/18</a:t>
+              <a:t>12/3/18</a:t>
             </a:fld>
             <a:endParaRPr lang="en-US"/>
           </a:p>
@@ -5192,7 +5192,7 @@
           <a:p>
             <a:fld id="{9E87EFA5-71F6-4DC3-B6C0-86F267AC2847}" type="datetimeFigureOut">
               <a:rPr lang="en-US" smtClean="0"/>
-              <a:t>11/30/18</a:t>
+              <a:t>12/3/18</a:t>
             </a:fld>
             <a:endParaRPr lang="en-US"/>
           </a:p>
@@ -5424,7 +5424,7 @@
           <a:p>
             <a:fld id="{9E87EFA5-71F6-4DC3-B6C0-86F267AC2847}" type="datetimeFigureOut">
               <a:rPr lang="en-US" smtClean="0"/>
-              <a:t>11/30/18</a:t>
+              <a:t>12/3/18</a:t>
             </a:fld>
             <a:endParaRPr lang="en-US"/>
           </a:p>
@@ -5791,7 +5791,7 @@
           <a:p>
             <a:fld id="{9E87EFA5-71F6-4DC3-B6C0-86F267AC2847}" type="datetimeFigureOut">
               <a:rPr lang="en-US" smtClean="0"/>
-              <a:t>11/30/18</a:t>
+              <a:t>12/3/18</a:t>
             </a:fld>
             <a:endParaRPr lang="en-US"/>
           </a:p>
@@ -5909,7 +5909,7 @@
           <a:p>
             <a:fld id="{9E87EFA5-71F6-4DC3-B6C0-86F267AC2847}" type="datetimeFigureOut">
               <a:rPr lang="en-US" smtClean="0"/>
-              <a:t>11/30/18</a:t>
+              <a:t>12/3/18</a:t>
             </a:fld>
             <a:endParaRPr lang="en-US"/>
           </a:p>
@@ -6004,7 +6004,7 @@
           <a:p>
             <a:fld id="{9E87EFA5-71F6-4DC3-B6C0-86F267AC2847}" type="datetimeFigureOut">
               <a:rPr lang="en-US" smtClean="0"/>
-              <a:t>11/30/18</a:t>
+              <a:t>12/3/18</a:t>
             </a:fld>
             <a:endParaRPr lang="en-US"/>
           </a:p>
@@ -6281,7 +6281,7 @@
           <a:p>
             <a:fld id="{9E87EFA5-71F6-4DC3-B6C0-86F267AC2847}" type="datetimeFigureOut">
               <a:rPr lang="en-US" smtClean="0"/>
-              <a:t>11/30/18</a:t>
+              <a:t>12/3/18</a:t>
             </a:fld>
             <a:endParaRPr lang="en-US"/>
           </a:p>
@@ -6538,7 +6538,7 @@
           <a:p>
             <a:fld id="{9E87EFA5-71F6-4DC3-B6C0-86F267AC2847}" type="datetimeFigureOut">
               <a:rPr lang="en-US" smtClean="0"/>
-              <a:t>11/30/18</a:t>
+              <a:t>12/3/18</a:t>
             </a:fld>
             <a:endParaRPr lang="en-US"/>
           </a:p>
@@ -6751,7 +6751,7 @@
           <a:p>
             <a:fld id="{9E87EFA5-71F6-4DC3-B6C0-86F267AC2847}" type="datetimeFigureOut">
               <a:rPr lang="en-US" smtClean="0"/>
-              <a:t>11/30/18</a:t>
+              <a:t>12/3/18</a:t>
             </a:fld>
             <a:endParaRPr lang="en-US"/>
           </a:p>
@@ -11892,6 +11892,58 @@
               </a:rPr>
               <a:t>-generating checking code for configuration parameters</a:t>
             </a:r>
+            <a:r>
+              <a:rPr lang="zh-CN" altLang="en-US" sz="3400" dirty="0">
+                <a:latin typeface="Arial" panose="020B0604020202020204" pitchFamily="34" charset="0"/>
+                <a:cs typeface="Arial" panose="020B0604020202020204" pitchFamily="34" charset="0"/>
+              </a:rPr>
+              <a:t> </a:t>
+            </a:r>
+            <a:r>
+              <a:rPr lang="en-US" altLang="zh-CN" sz="3400" dirty="0">
+                <a:solidFill>
+                  <a:schemeClr val="accent1">
+                    <a:lumMod val="50000"/>
+                  </a:schemeClr>
+                </a:solidFill>
+                <a:latin typeface="Arial" panose="020B0604020202020204" pitchFamily="34" charset="0"/>
+                <a:cs typeface="Arial" panose="020B0604020202020204" pitchFamily="34" charset="0"/>
+              </a:rPr>
+              <a:t>[OSDI</a:t>
+            </a:r>
+            <a:r>
+              <a:rPr lang="zh-CN" altLang="en-US" sz="3400" dirty="0">
+                <a:solidFill>
+                  <a:schemeClr val="accent1">
+                    <a:lumMod val="50000"/>
+                  </a:schemeClr>
+                </a:solidFill>
+                <a:latin typeface="Arial" panose="020B0604020202020204" pitchFamily="34" charset="0"/>
+                <a:cs typeface="Arial" panose="020B0604020202020204" pitchFamily="34" charset="0"/>
+              </a:rPr>
+              <a:t> </a:t>
+            </a:r>
+            <a:r>
+              <a:rPr lang="en-US" altLang="zh-CN" sz="3400" dirty="0">
+                <a:solidFill>
+                  <a:schemeClr val="accent1">
+                    <a:lumMod val="50000"/>
+                  </a:schemeClr>
+                </a:solidFill>
+                <a:latin typeface="Arial" panose="020B0604020202020204" pitchFamily="34" charset="0"/>
+                <a:cs typeface="Arial" panose="020B0604020202020204" pitchFamily="34" charset="0"/>
+              </a:rPr>
+              <a:t>’16]</a:t>
+            </a:r>
+            <a:endParaRPr lang="en-US" sz="3400" dirty="0">
+              <a:solidFill>
+                <a:schemeClr val="accent1">
+                  <a:lumMod val="50000"/>
+                </a:schemeClr>
+              </a:solidFill>
+              <a:latin typeface="Arial" panose="020B0604020202020204" pitchFamily="34" charset="0"/>
+              <a:cs typeface="Arial" panose="020B0604020202020204" pitchFamily="34" charset="0"/>
+            </a:endParaRPr>
           </a:p>
         </p:txBody>
       </p:sp>
@@ -12841,6 +12893,58 @@
               </a:rPr>
               <a:t>-generating checking code for configuration parameters</a:t>
             </a:r>
+            <a:r>
+              <a:rPr lang="zh-CN" altLang="en-US" sz="3400" dirty="0">
+                <a:latin typeface="Arial" panose="020B0604020202020204" pitchFamily="34" charset="0"/>
+                <a:cs typeface="Arial" panose="020B0604020202020204" pitchFamily="34" charset="0"/>
+              </a:rPr>
+              <a:t> </a:t>
+            </a:r>
+            <a:r>
+              <a:rPr lang="en-US" altLang="zh-CN" sz="3400" dirty="0">
+                <a:solidFill>
+                  <a:schemeClr val="accent1">
+                    <a:lumMod val="50000"/>
+                  </a:schemeClr>
+                </a:solidFill>
+                <a:latin typeface="Arial" panose="020B0604020202020204" pitchFamily="34" charset="0"/>
+                <a:cs typeface="Arial" panose="020B0604020202020204" pitchFamily="34" charset="0"/>
+              </a:rPr>
+              <a:t>[OSDI</a:t>
+            </a:r>
+            <a:r>
+              <a:rPr lang="zh-CN" altLang="en-US" sz="3400" dirty="0">
+                <a:solidFill>
+                  <a:schemeClr val="accent1">
+                    <a:lumMod val="50000"/>
+                  </a:schemeClr>
+                </a:solidFill>
+                <a:latin typeface="Arial" panose="020B0604020202020204" pitchFamily="34" charset="0"/>
+                <a:cs typeface="Arial" panose="020B0604020202020204" pitchFamily="34" charset="0"/>
+              </a:rPr>
+              <a:t> </a:t>
+            </a:r>
+            <a:r>
+              <a:rPr lang="en-US" altLang="zh-CN" sz="3400" dirty="0">
+                <a:solidFill>
+                  <a:schemeClr val="accent1">
+                    <a:lumMod val="50000"/>
+                  </a:schemeClr>
+                </a:solidFill>
+                <a:latin typeface="Arial" panose="020B0604020202020204" pitchFamily="34" charset="0"/>
+                <a:cs typeface="Arial" panose="020B0604020202020204" pitchFamily="34" charset="0"/>
+              </a:rPr>
+              <a:t>’16]</a:t>
+            </a:r>
+            <a:endParaRPr lang="en-US" sz="3400" dirty="0">
+              <a:solidFill>
+                <a:schemeClr val="accent1">
+                  <a:lumMod val="50000"/>
+                </a:schemeClr>
+              </a:solidFill>
+              <a:latin typeface="Arial" panose="020B0604020202020204" pitchFamily="34" charset="0"/>
+              <a:cs typeface="Arial" panose="020B0604020202020204" pitchFamily="34" charset="0"/>
+            </a:endParaRPr>
           </a:p>
         </p:txBody>
       </p:sp>
@@ -17874,7 +17978,7 @@
           </a:ln>
           <a:extLst>
             <a:ext uri="{C572A759-6A51-4108-AA02-DFA0A04FC94B}">
-              <ma14:wrappingTextBoxFlag xmlns:ma14="http://schemas.microsoft.com/office/mac/drawingml/2011/main" xmlns:a14="http://schemas.microsoft.com/office/drawing/2010/main" xmlns:m="http://schemas.openxmlformats.org/officeDocument/2006/math" xmlns="" val="1"/>
+              <ma14:wrappingTextBoxFlag xmlns="" xmlns:m="http://schemas.openxmlformats.org/officeDocument/2006/math" xmlns:a14="http://schemas.microsoft.com/office/drawing/2010/main" xmlns:ma14="http://schemas.microsoft.com/office/mac/drawingml/2011/main" val="1"/>
             </a:ext>
           </a:extLst>
         </p:spPr>
@@ -18183,7 +18287,7 @@
           </a:ln>
           <a:extLst>
             <a:ext uri="{C572A759-6A51-4108-AA02-DFA0A04FC94B}">
-              <ma14:wrappingTextBoxFlag xmlns:ma14="http://schemas.microsoft.com/office/mac/drawingml/2011/main" xmlns:a14="http://schemas.microsoft.com/office/drawing/2010/main" xmlns:m="http://schemas.openxmlformats.org/officeDocument/2006/math" xmlns="" val="1"/>
+              <ma14:wrappingTextBoxFlag xmlns="" xmlns:m="http://schemas.openxmlformats.org/officeDocument/2006/math" xmlns:a14="http://schemas.microsoft.com/office/drawing/2010/main" xmlns:ma14="http://schemas.microsoft.com/office/mac/drawingml/2011/main" val="1"/>
             </a:ext>
           </a:extLst>
         </p:spPr>
@@ -18282,7 +18386,7 @@
           </a:ln>
           <a:extLst>
             <a:ext uri="{C572A759-6A51-4108-AA02-DFA0A04FC94B}">
-              <ma14:wrappingTextBoxFlag xmlns:ma14="http://schemas.microsoft.com/office/mac/drawingml/2011/main" xmlns:a14="http://schemas.microsoft.com/office/drawing/2010/main" xmlns:m="http://schemas.openxmlformats.org/officeDocument/2006/math" xmlns="" val="1"/>
+              <ma14:wrappingTextBoxFlag xmlns="" xmlns:m="http://schemas.openxmlformats.org/officeDocument/2006/math" xmlns:a14="http://schemas.microsoft.com/office/drawing/2010/main" xmlns:ma14="http://schemas.microsoft.com/office/mac/drawingml/2011/main" val="1"/>
             </a:ext>
           </a:extLst>
         </p:spPr>
@@ -18774,7 +18878,7 @@
           </a:ln>
           <a:extLst>
             <a:ext uri="{C572A759-6A51-4108-AA02-DFA0A04FC94B}">
-              <ma14:wrappingTextBoxFlag xmlns:ma14="http://schemas.microsoft.com/office/mac/drawingml/2011/main" xmlns:a14="http://schemas.microsoft.com/office/drawing/2010/main" xmlns:m="http://schemas.openxmlformats.org/officeDocument/2006/math" xmlns="" val="1"/>
+              <ma14:wrappingTextBoxFlag xmlns="" xmlns:m="http://schemas.openxmlformats.org/officeDocument/2006/math" xmlns:a14="http://schemas.microsoft.com/office/drawing/2010/main" xmlns:ma14="http://schemas.microsoft.com/office/mac/drawingml/2011/main" val="1"/>
             </a:ext>
           </a:extLst>
         </p:spPr>
@@ -18846,7 +18950,7 @@
           </a:ln>
           <a:extLst>
             <a:ext uri="{C572A759-6A51-4108-AA02-DFA0A04FC94B}">
-              <ma14:wrappingTextBoxFlag xmlns:ma14="http://schemas.microsoft.com/office/mac/drawingml/2011/main" xmlns:a14="http://schemas.microsoft.com/office/drawing/2010/main" xmlns:m="http://schemas.openxmlformats.org/officeDocument/2006/math" xmlns="" val="1"/>
+              <ma14:wrappingTextBoxFlag xmlns="" xmlns:m="http://schemas.openxmlformats.org/officeDocument/2006/math" xmlns:a14="http://schemas.microsoft.com/office/drawing/2010/main" xmlns:ma14="http://schemas.microsoft.com/office/mac/drawingml/2011/main" val="1"/>
             </a:ext>
           </a:extLst>
         </p:spPr>
@@ -19097,7 +19201,7 @@
           </a:ln>
           <a:extLst>
             <a:ext uri="{C572A759-6A51-4108-AA02-DFA0A04FC94B}">
-              <ma14:wrappingTextBoxFlag xmlns:ma14="http://schemas.microsoft.com/office/mac/drawingml/2011/main" xmlns:a14="http://schemas.microsoft.com/office/drawing/2010/main" xmlns:m="http://schemas.openxmlformats.org/officeDocument/2006/math" xmlns="" val="1"/>
+              <ma14:wrappingTextBoxFlag xmlns="" xmlns:m="http://schemas.openxmlformats.org/officeDocument/2006/math" xmlns:a14="http://schemas.microsoft.com/office/drawing/2010/main" xmlns:ma14="http://schemas.microsoft.com/office/mac/drawingml/2011/main" val="1"/>
             </a:ext>
           </a:extLst>
         </p:spPr>
@@ -19334,7 +19438,7 @@
           </a:ln>
           <a:extLst>
             <a:ext uri="{C572A759-6A51-4108-AA02-DFA0A04FC94B}">
-              <ma14:wrappingTextBoxFlag xmlns:ma14="http://schemas.microsoft.com/office/mac/drawingml/2011/main" xmlns:a14="http://schemas.microsoft.com/office/drawing/2010/main" xmlns:m="http://schemas.openxmlformats.org/officeDocument/2006/math" xmlns="" val="1"/>
+              <ma14:wrappingTextBoxFlag xmlns="" xmlns:m="http://schemas.openxmlformats.org/officeDocument/2006/math" xmlns:a14="http://schemas.microsoft.com/office/drawing/2010/main" xmlns:ma14="http://schemas.microsoft.com/office/mac/drawingml/2011/main" val="1"/>
             </a:ext>
           </a:extLst>
         </p:spPr>
